--- a/Our Presentation.pptx
+++ b/Our Presentation.pptx
@@ -23,7 +23,7 @@
   <p:notesSz cx="6858000" cy="9144000"/>
   <p:embeddedFontLst>
     <p:embeddedFont>
-      <p:font typeface="Proxima Nova" panose="02000506030000020004" pitchFamily="2" charset="0"/>
+      <p:font typeface="Proxima Nova" panose="020B0604020202020204" charset="0"/>
       <p:regular r:id="rId13"/>
       <p:bold r:id="rId14"/>
       <p:italic r:id="rId15"/>
@@ -943,7 +943,7 @@
         </p:nvSpPr>
         <p:spPr>
           <a:xfrm>
-            <a:off x="381300" y="685800"/>
+            <a:off x="381000" y="685800"/>
             <a:ext cx="6096000" cy="3429000"/>
           </a:xfrm>
           <a:custGeom>
@@ -1266,7 +1266,7 @@
         </p:nvSpPr>
         <p:spPr>
           <a:xfrm>
-            <a:off x="381300" y="685800"/>
+            <a:off x="381000" y="685800"/>
             <a:ext cx="6096000" cy="3429000"/>
           </a:xfrm>
           <a:custGeom>
@@ -1686,7 +1686,7 @@
         </p:nvSpPr>
         <p:spPr>
           <a:xfrm>
-            <a:off x="381300" y="685800"/>
+            <a:off x="381000" y="685800"/>
             <a:ext cx="6096000" cy="3429000"/>
           </a:xfrm>
           <a:custGeom>
@@ -3424,7 +3424,8 @@
                 <a:spcPts val="0"/>
               </a:spcAft>
               <a:buSzPts val="1800"/>
-              <a:buChar char="●"/>
+              <a:buFont typeface="Arial" panose="020B0604020202020204" pitchFamily="34" charset="0"/>
+              <a:buChar char="•"/>
               <a:defRPr/>
             </a:lvl1pPr>
             <a:lvl2pPr marL="914400" lvl="1" indent="-317500">
@@ -3517,7 +3518,27 @@
             </a:lvl9pPr>
           </a:lstStyle>
           <a:p>
-            <a:endParaRPr/>
+            <a:endParaRPr lang="en-US" dirty="0"/>
+          </a:p>
+          <a:p>
+            <a:pPr lvl="1"/>
+            <a:endParaRPr lang="en-US" dirty="0"/>
+          </a:p>
+          <a:p>
+            <a:pPr lvl="2"/>
+            <a:endParaRPr lang="en-US" dirty="0"/>
+          </a:p>
+          <a:p>
+            <a:pPr lvl="3"/>
+            <a:endParaRPr lang="en-US" dirty="0"/>
+          </a:p>
+          <a:p>
+            <a:pPr lvl="4"/>
+            <a:endParaRPr lang="en-US" dirty="0"/>
+          </a:p>
+          <a:p>
+            <a:pPr lvl="5"/>
+            <a:endParaRPr dirty="0"/>
           </a:p>
         </p:txBody>
       </p:sp>
@@ -7232,10 +7253,13 @@
               <a:buNone/>
             </a:pPr>
             <a:r>
-              <a:rPr lang="en-CA" dirty="0" err="1"/>
-              <a:t>qhacks</a:t>
+              <a:rPr lang="en-US" dirty="0"/>
+              <a:t>Q</a:t>
             </a:r>
-            <a:endParaRPr lang="en-CA" dirty="0"/>
+            <a:r>
+              <a:rPr lang="en-CA" dirty="0"/>
+              <a:t>Hacks 2019</a:t>
+            </a:r>
           </a:p>
           <a:p>
             <a:pPr marL="0" lvl="0" indent="0" algn="l" rtl="0">
@@ -7323,8 +7347,8 @@
               <a:t>Project available on </a:t>
             </a:r>
             <a:r>
-              <a:rPr lang="en" u="sng" dirty="0" err="1"/>
-              <a:t>github</a:t>
+              <a:rPr lang="en" u="sng" dirty="0"/>
+              <a:t>Github</a:t>
             </a:r>
             <a:endParaRPr dirty="0"/>
           </a:p>
@@ -8102,10 +8126,10 @@
               <a:buNone/>
             </a:pPr>
             <a:r>
-              <a:rPr lang="en"/>
+              <a:rPr lang="en" dirty="0"/>
               <a:t>Step 3: Data Preparation</a:t>
             </a:r>
-            <a:endParaRPr/>
+            <a:endParaRPr dirty="0"/>
           </a:p>
         </p:txBody>
       </p:sp>
@@ -8144,10 +8168,10 @@
               <a:buNone/>
             </a:pPr>
             <a:r>
-              <a:rPr lang="en" sz="1600" b="1"/>
+              <a:rPr lang="en" sz="1600" b="1" dirty="0"/>
               <a:t>Data Cleaning &amp; Shaping</a:t>
             </a:r>
-            <a:endParaRPr sz="1600" b="1"/>
+            <a:endParaRPr sz="1600" b="1" dirty="0"/>
           </a:p>
           <a:p>
             <a:pPr marL="0" lvl="0" indent="0" algn="l" rtl="0">
@@ -8160,39 +8184,78 @@
               <a:buNone/>
             </a:pPr>
             <a:r>
-              <a:rPr lang="en" sz="1600"/>
+              <a:rPr lang="en" sz="1600" dirty="0"/>
               <a:t>Parsing of text (4 points)</a:t>
             </a:r>
-            <a:endParaRPr sz="1600"/>
+            <a:endParaRPr sz="1600" dirty="0"/>
           </a:p>
           <a:p>
-            <a:pPr marL="457200" lvl="0" indent="-330200" algn="l" rtl="0">
+            <a:pPr marL="412750" indent="-285750">
               <a:spcBef>
                 <a:spcPts val="1600"/>
               </a:spcBef>
-              <a:spcAft>
-                <a:spcPts val="0"/>
-              </a:spcAft>
+              <a:buSzPts val="1600"/>
+            </a:pPr>
+            <a:r>
+              <a:rPr lang="en" sz="1600" dirty="0"/>
+              <a:t>Removed irrelevant columns from data frame</a:t>
+            </a:r>
+          </a:p>
+          <a:p>
+            <a:pPr marL="869950" lvl="1" indent="-285750">
+              <a:spcBef>
+                <a:spcPts val="0"/>
+              </a:spcBef>
+              <a:buSzPts val="1600"/>
+            </a:pPr>
+            <a:r>
+              <a:rPr lang="en" sz="1200" dirty="0"/>
+              <a:t>Returns</a:t>
+            </a:r>
+          </a:p>
+          <a:p>
+            <a:pPr marL="869950" lvl="1" indent="-285750">
+              <a:spcBef>
+                <a:spcPts val="0"/>
+              </a:spcBef>
+              <a:buSzPts val="1600"/>
+            </a:pPr>
+            <a:r>
+              <a:rPr lang="en-CA" sz="1200" dirty="0"/>
+              <a:t>V</a:t>
+            </a:r>
+            <a:r>
+              <a:rPr lang="en" sz="1200" dirty="0"/>
+              <a:t>olume</a:t>
+            </a:r>
+          </a:p>
+          <a:p>
+            <a:pPr marL="869950" lvl="1" indent="-285750">
+              <a:spcBef>
+                <a:spcPts val="0"/>
+              </a:spcBef>
+              <a:buSzPts val="1600"/>
+            </a:pPr>
+            <a:r>
+              <a:rPr lang="en-US" sz="1200" dirty="0"/>
+              <a:t>T</a:t>
+            </a:r>
+            <a:r>
+              <a:rPr lang="en-CA" sz="1200" dirty="0" err="1"/>
+              <a:t>ime</a:t>
+            </a:r>
+            <a:r>
+              <a:rPr lang="en-CA" sz="1200" dirty="0"/>
+              <a:t> of day</a:t>
+            </a:r>
+            <a:endParaRPr lang="en" sz="1200" dirty="0"/>
+          </a:p>
+          <a:p>
+            <a:pPr lvl="1" indent="-330200">
               <a:buSzPts val="1600"/>
               <a:buChar char="●"/>
             </a:pPr>
-            <a:r>
-              <a:rPr lang="en" sz="1600"/>
-              <a:t>Removed irrelevant columns from data frame (i.e. playlist_name, playlist_uri, playlist_tracks_url, playlist_num_tracks, snapshot_id, playlist_img, etc.)</a:t>
-            </a:r>
-            <a:endParaRPr sz="1600"/>
-          </a:p>
-          <a:p>
-            <a:pPr marL="0" lvl="0" indent="0" algn="l" rtl="0">
-              <a:spcBef>
-                <a:spcPts val="1000"/>
-              </a:spcBef>
-              <a:spcAft>
-                <a:spcPts val="1600"/>
-              </a:spcAft>
-              <a:buNone/>
-            </a:pPr>
-            <a:endParaRPr sz="1600"/>
+            <a:endParaRPr sz="1200" dirty="0"/>
           </a:p>
         </p:txBody>
       </p:sp>
@@ -8345,10 +8408,10 @@
               <a:buNone/>
             </a:pPr>
             <a:r>
-              <a:rPr lang="en"/>
+              <a:rPr lang="en" dirty="0"/>
               <a:t>Step 4: Modeling</a:t>
             </a:r>
-            <a:endParaRPr/>
+            <a:endParaRPr dirty="0"/>
           </a:p>
         </p:txBody>
       </p:sp>
@@ -8402,25 +8465,6 @@
               <a:buNone/>
             </a:pPr>
             <a:endParaRPr lang="en" sz="1600" dirty="0"/>
-          </a:p>
-          <a:p>
-            <a:pPr marL="0" lvl="0" indent="0" algn="l" rtl="0">
-              <a:spcBef>
-                <a:spcPts val="0"/>
-              </a:spcBef>
-              <a:spcAft>
-                <a:spcPts val="0"/>
-              </a:spcAft>
-              <a:buNone/>
-            </a:pPr>
-            <a:r>
-              <a:rPr lang="en-CA" sz="1600" dirty="0"/>
-              <a:t>E</a:t>
-            </a:r>
-            <a:r>
-              <a:rPr lang="en" sz="1600" dirty="0"/>
-              <a:t>plain why</a:t>
-            </a:r>
           </a:p>
         </p:txBody>
       </p:sp>
@@ -8946,10 +8990,10 @@
               <a:buNone/>
             </a:pPr>
             <a:r>
-              <a:rPr lang="en"/>
+              <a:rPr lang="en" dirty="0"/>
               <a:t>This presentation.</a:t>
             </a:r>
-            <a:endParaRPr/>
+            <a:endParaRPr dirty="0"/>
           </a:p>
           <a:p>
             <a:pPr marL="0" lvl="0" indent="0" algn="l" rtl="0">
@@ -8962,61 +9006,36 @@
               <a:buNone/>
             </a:pPr>
             <a:r>
-              <a:rPr lang="en"/>
+              <a:rPr lang="en" dirty="0"/>
               <a:t>For future work, this project could use:</a:t>
             </a:r>
-            <a:endParaRPr/>
+            <a:endParaRPr dirty="0"/>
           </a:p>
           <a:p>
-            <a:pPr marL="457200" lvl="0" indent="-342900" algn="l" rtl="0">
+            <a:pPr>
               <a:spcBef>
                 <a:spcPts val="1600"/>
               </a:spcBef>
-              <a:spcAft>
-                <a:spcPts val="0"/>
-              </a:spcAft>
-              <a:buSzPts val="1800"/>
-              <a:buChar char="●"/>
             </a:pPr>
             <a:r>
-              <a:rPr lang="en"/>
+              <a:rPr lang="en" dirty="0"/>
               <a:t>More prediction models</a:t>
             </a:r>
-            <a:endParaRPr/>
+            <a:endParaRPr dirty="0"/>
           </a:p>
           <a:p>
-            <a:pPr marL="457200" lvl="0" indent="-342900" algn="l" rtl="0">
-              <a:spcBef>
-                <a:spcPts val="0"/>
-              </a:spcBef>
-              <a:spcAft>
-                <a:spcPts val="0"/>
-              </a:spcAft>
-              <a:buSzPts val="1800"/>
-              <a:buChar char="●"/>
-            </a:pPr>
             <a:r>
-              <a:rPr lang="en"/>
+              <a:rPr lang="en" dirty="0"/>
               <a:t>Larger data set</a:t>
             </a:r>
-            <a:endParaRPr/>
+            <a:endParaRPr dirty="0"/>
           </a:p>
           <a:p>
-            <a:pPr marL="457200" lvl="0" indent="-342900" algn="l" rtl="0">
-              <a:spcBef>
-                <a:spcPts val="0"/>
-              </a:spcBef>
-              <a:spcAft>
-                <a:spcPts val="0"/>
-              </a:spcAft>
-              <a:buSzPts val="1800"/>
-              <a:buChar char="●"/>
-            </a:pPr>
             <a:r>
-              <a:rPr lang="en"/>
+              <a:rPr lang="en" dirty="0"/>
               <a:t>Further data exploration</a:t>
             </a:r>
-            <a:endParaRPr/>
+            <a:endParaRPr dirty="0"/>
           </a:p>
         </p:txBody>
       </p:sp>

--- a/Our Presentation.pptx
+++ b/Our Presentation.pptx
@@ -5,29 +5,26 @@
     <p:sldMasterId id="2147483659" r:id="rId1"/>
   </p:sldMasterIdLst>
   <p:notesMasterIdLst>
-    <p:notesMasterId r:id="rId12"/>
+    <p:notesMasterId r:id="rId9"/>
   </p:notesMasterIdLst>
   <p:sldIdLst>
     <p:sldId id="256" r:id="rId2"/>
     <p:sldId id="257" r:id="rId3"/>
     <p:sldId id="258" r:id="rId4"/>
-    <p:sldId id="259" r:id="rId5"/>
-    <p:sldId id="262" r:id="rId6"/>
-    <p:sldId id="279" r:id="rId7"/>
-    <p:sldId id="282" r:id="rId8"/>
-    <p:sldId id="283" r:id="rId9"/>
-    <p:sldId id="286" r:id="rId10"/>
-    <p:sldId id="287" r:id="rId11"/>
+    <p:sldId id="262" r:id="rId5"/>
+    <p:sldId id="279" r:id="rId6"/>
+    <p:sldId id="286" r:id="rId7"/>
+    <p:sldId id="287" r:id="rId8"/>
   </p:sldIdLst>
   <p:sldSz cx="9144000" cy="5143500" type="screen16x9"/>
   <p:notesSz cx="6858000" cy="9144000"/>
   <p:embeddedFontLst>
     <p:embeddedFont>
-      <p:font typeface="Proxima Nova" panose="020B0604020202020204" charset="0"/>
-      <p:regular r:id="rId13"/>
-      <p:bold r:id="rId14"/>
-      <p:italic r:id="rId15"/>
-      <p:boldItalic r:id="rId16"/>
+      <p:font typeface="Proxima Nova" panose="02000506030000020004" pitchFamily="2" charset="0"/>
+      <p:regular r:id="rId10"/>
+      <p:bold r:id="rId11"/>
+      <p:italic r:id="rId12"/>
+      <p:boldItalic r:id="rId13"/>
     </p:embeddedFont>
   </p:embeddedFontLst>
   <p:defaultTextStyle>
@@ -262,6 +259,9 @@
   <p:extLst>
     <p:ext uri="{EFAFB233-063F-42B5-8137-9DF3F51BA10A}">
       <p15:sldGuideLst xmlns:p15="http://schemas.microsoft.com/office/powerpoint/2012/main"/>
+    </p:ext>
+    <p:ext uri="{2D200454-40CA-4A62-9FC3-DE9A4176ACB9}">
+      <p15:notesGuideLst xmlns:p15="http://schemas.microsoft.com/office/powerpoint/2012/main"/>
     </p:ext>
   </p:extLst>
 </p:presentation>
@@ -810,110 +810,6 @@
 </p:notes>
 </file>
 
-<file path=ppt/notesSlides/notesSlide10.xml><?xml version="1.0" encoding="utf-8"?>
-<p:notes xmlns:a="http://schemas.openxmlformats.org/drawingml/2006/main" xmlns:r="http://schemas.openxmlformats.org/officeDocument/2006/relationships" xmlns:p="http://schemas.openxmlformats.org/presentationml/2006/main" showMasterSp="0" showMasterPhAnim="0">
-  <p:cSld>
-    <p:spTree>
-      <p:nvGrpSpPr>
-        <p:cNvPr id="1" name="Shape 310"/>
-        <p:cNvGrpSpPr/>
-        <p:nvPr/>
-      </p:nvGrpSpPr>
-      <p:grpSpPr>
-        <a:xfrm>
-          <a:off x="0" y="0"/>
-          <a:ext cx="0" cy="0"/>
-          <a:chOff x="0" y="0"/>
-          <a:chExt cx="0" cy="0"/>
-        </a:xfrm>
-      </p:grpSpPr>
-      <p:sp>
-        <p:nvSpPr>
-          <p:cNvPr id="311" name="Google Shape;311;g3888f0e7cf_0_80:notes"/>
-          <p:cNvSpPr>
-            <a:spLocks noGrp="1" noRot="1" noChangeAspect="1"/>
-          </p:cNvSpPr>
-          <p:nvPr>
-            <p:ph type="sldImg" idx="2"/>
-          </p:nvPr>
-        </p:nvSpPr>
-        <p:spPr>
-          <a:xfrm>
-            <a:off x="381000" y="685800"/>
-            <a:ext cx="6096000" cy="3429000"/>
-          </a:xfrm>
-          <a:custGeom>
-            <a:avLst/>
-            <a:gdLst/>
-            <a:ahLst/>
-            <a:cxnLst/>
-            <a:rect l="l" t="t" r="r" b="b"/>
-            <a:pathLst>
-              <a:path w="120000" h="120000" extrusionOk="0">
-                <a:moveTo>
-                  <a:pt x="0" y="0"/>
-                </a:moveTo>
-                <a:lnTo>
-                  <a:pt x="120000" y="0"/>
-                </a:lnTo>
-                <a:lnTo>
-                  <a:pt x="120000" y="120000"/>
-                </a:lnTo>
-                <a:lnTo>
-                  <a:pt x="0" y="120000"/>
-                </a:lnTo>
-                <a:close/>
-              </a:path>
-            </a:pathLst>
-          </a:custGeom>
-        </p:spPr>
-      </p:sp>
-      <p:sp>
-        <p:nvSpPr>
-          <p:cNvPr id="312" name="Google Shape;312;g3888f0e7cf_0_80:notes"/>
-          <p:cNvSpPr txBox="1">
-            <a:spLocks noGrp="1"/>
-          </p:cNvSpPr>
-          <p:nvPr>
-            <p:ph type="body" idx="1"/>
-          </p:nvPr>
-        </p:nvSpPr>
-        <p:spPr>
-          <a:xfrm>
-            <a:off x="685800" y="4343400"/>
-            <a:ext cx="5486400" cy="4114800"/>
-          </a:xfrm>
-          <a:prstGeom prst="rect">
-            <a:avLst/>
-          </a:prstGeom>
-        </p:spPr>
-        <p:txBody>
-          <a:bodyPr spcFirstLastPara="1" wrap="square" lIns="91425" tIns="91425" rIns="91425" bIns="91425" anchor="t" anchorCtr="0">
-            <a:noAutofit/>
-          </a:bodyPr>
-          <a:lstStyle/>
-          <a:p>
-            <a:pPr marL="0" lvl="0" indent="0" algn="l" rtl="0">
-              <a:spcBef>
-                <a:spcPts val="0"/>
-              </a:spcBef>
-              <a:spcAft>
-                <a:spcPts val="0"/>
-              </a:spcAft>
-              <a:buNone/>
-            </a:pPr>
-            <a:endParaRPr/>
-          </a:p>
-        </p:txBody>
-      </p:sp>
-    </p:spTree>
-  </p:cSld>
-  <p:clrMapOvr>
-    <a:masterClrMapping/>
-  </p:clrMapOvr>
-</p:notes>
-</file>
-
 <file path=ppt/notesSlides/notesSlide2.xml><?xml version="1.0" encoding="utf-8"?>
 <p:notes xmlns:a="http://schemas.openxmlformats.org/drawingml/2006/main" xmlns:r="http://schemas.openxmlformats.org/officeDocument/2006/relationships" xmlns:p="http://schemas.openxmlformats.org/presentationml/2006/main" showMasterSp="0" showMasterPhAnim="0">
   <p:cSld>
@@ -1127,121 +1023,6 @@
   <p:cSld>
     <p:spTree>
       <p:nvGrpSpPr>
-        <p:cNvPr id="1" name="Shape 77"/>
-        <p:cNvGrpSpPr/>
-        <p:nvPr/>
-      </p:nvGrpSpPr>
-      <p:grpSpPr>
-        <a:xfrm>
-          <a:off x="0" y="0"/>
-          <a:ext cx="0" cy="0"/>
-          <a:chOff x="0" y="0"/>
-          <a:chExt cx="0" cy="0"/>
-        </a:xfrm>
-      </p:grpSpPr>
-      <p:sp>
-        <p:nvSpPr>
-          <p:cNvPr id="78" name="Google Shape;78;g36f27afb51_0_68:notes"/>
-          <p:cNvSpPr>
-            <a:spLocks noGrp="1" noRot="1" noChangeAspect="1"/>
-          </p:cNvSpPr>
-          <p:nvPr>
-            <p:ph type="sldImg" idx="2"/>
-          </p:nvPr>
-        </p:nvSpPr>
-        <p:spPr>
-          <a:xfrm>
-            <a:off x="381000" y="685800"/>
-            <a:ext cx="6096000" cy="3429000"/>
-          </a:xfrm>
-          <a:custGeom>
-            <a:avLst/>
-            <a:gdLst/>
-            <a:ahLst/>
-            <a:cxnLst/>
-            <a:rect l="l" t="t" r="r" b="b"/>
-            <a:pathLst>
-              <a:path w="120000" h="120000" extrusionOk="0">
-                <a:moveTo>
-                  <a:pt x="0" y="0"/>
-                </a:moveTo>
-                <a:lnTo>
-                  <a:pt x="120000" y="0"/>
-                </a:lnTo>
-                <a:lnTo>
-                  <a:pt x="120000" y="120000"/>
-                </a:lnTo>
-                <a:lnTo>
-                  <a:pt x="0" y="120000"/>
-                </a:lnTo>
-                <a:close/>
-              </a:path>
-            </a:pathLst>
-          </a:custGeom>
-        </p:spPr>
-      </p:sp>
-      <p:sp>
-        <p:nvSpPr>
-          <p:cNvPr id="79" name="Google Shape;79;g36f27afb51_0_68:notes"/>
-          <p:cNvSpPr txBox="1">
-            <a:spLocks noGrp="1"/>
-          </p:cNvSpPr>
-          <p:nvPr>
-            <p:ph type="body" idx="1"/>
-          </p:nvPr>
-        </p:nvSpPr>
-        <p:spPr>
-          <a:xfrm>
-            <a:off x="685800" y="4343400"/>
-            <a:ext cx="5486400" cy="4114800"/>
-          </a:xfrm>
-          <a:prstGeom prst="rect">
-            <a:avLst/>
-          </a:prstGeom>
-        </p:spPr>
-        <p:txBody>
-          <a:bodyPr spcFirstLastPara="1" wrap="square" lIns="91425" tIns="91425" rIns="91425" bIns="91425" anchor="t" anchorCtr="0">
-            <a:noAutofit/>
-          </a:bodyPr>
-          <a:lstStyle/>
-          <a:p>
-            <a:pPr marL="0" lvl="0" indent="0" algn="l" rtl="0">
-              <a:spcBef>
-                <a:spcPts val="0"/>
-              </a:spcBef>
-              <a:spcAft>
-                <a:spcPts val="0"/>
-              </a:spcAft>
-              <a:buNone/>
-            </a:pPr>
-            <a:r>
-              <a:rPr lang="en" sz="1050">
-                <a:solidFill>
-                  <a:srgbClr val="222222"/>
-                </a:solidFill>
-                <a:highlight>
-                  <a:srgbClr val="FFFFFF"/>
-                </a:highlight>
-              </a:rPr>
-              <a:t>The data understanding phase starts with an initial data collection and proceeds with activities in order to get familiar with the data, to identify data quality problems, to discover first insights into the data, or to detect interesting subsets to form hypotheses for hidden information.</a:t>
-            </a:r>
-            <a:endParaRPr/>
-          </a:p>
-        </p:txBody>
-      </p:sp>
-    </p:spTree>
-  </p:cSld>
-  <p:clrMapOvr>
-    <a:masterClrMapping/>
-  </p:clrMapOvr>
-</p:notes>
-</file>
-
-<file path=ppt/notesSlides/notesSlide5.xml><?xml version="1.0" encoding="utf-8"?>
-<p:notes xmlns:a="http://schemas.openxmlformats.org/drawingml/2006/main" xmlns:r="http://schemas.openxmlformats.org/officeDocument/2006/relationships" xmlns:p="http://schemas.openxmlformats.org/presentationml/2006/main" showMasterSp="0" showMasterPhAnim="0">
-  <p:cSld>
-    <p:spTree>
-      <p:nvGrpSpPr>
         <p:cNvPr id="1" name="Shape 104"/>
         <p:cNvGrpSpPr/>
         <p:nvPr/>
@@ -1345,7 +1126,7 @@
 </p:notes>
 </file>
 
-<file path=ppt/notesSlides/notesSlide6.xml><?xml version="1.0" encoding="utf-8"?>
+<file path=ppt/notesSlides/notesSlide5.xml><?xml version="1.0" encoding="utf-8"?>
 <p:notes xmlns:a="http://schemas.openxmlformats.org/drawingml/2006/main" xmlns:r="http://schemas.openxmlformats.org/officeDocument/2006/relationships" xmlns:p="http://schemas.openxmlformats.org/presentationml/2006/main" showMasterSp="0" showMasterPhAnim="0">
   <p:cSld>
     <p:spTree>
@@ -1449,215 +1230,7 @@
 </p:notes>
 </file>
 
-<file path=ppt/notesSlides/notesSlide7.xml><?xml version="1.0" encoding="utf-8"?>
-<p:notes xmlns:a="http://schemas.openxmlformats.org/drawingml/2006/main" xmlns:r="http://schemas.openxmlformats.org/officeDocument/2006/relationships" xmlns:p="http://schemas.openxmlformats.org/presentationml/2006/main" showMasterSp="0" showMasterPhAnim="0">
-  <p:cSld>
-    <p:spTree>
-      <p:nvGrpSpPr>
-        <p:cNvPr id="1" name="Shape 267"/>
-        <p:cNvGrpSpPr/>
-        <p:nvPr/>
-      </p:nvGrpSpPr>
-      <p:grpSpPr>
-        <a:xfrm>
-          <a:off x="0" y="0"/>
-          <a:ext cx="0" cy="0"/>
-          <a:chOff x="0" y="0"/>
-          <a:chExt cx="0" cy="0"/>
-        </a:xfrm>
-      </p:grpSpPr>
-      <p:sp>
-        <p:nvSpPr>
-          <p:cNvPr id="268" name="Google Shape;268;g3888f0e7cf_0_5:notes"/>
-          <p:cNvSpPr>
-            <a:spLocks noGrp="1" noRot="1" noChangeAspect="1"/>
-          </p:cNvSpPr>
-          <p:nvPr>
-            <p:ph type="sldImg" idx="2"/>
-          </p:nvPr>
-        </p:nvSpPr>
-        <p:spPr>
-          <a:xfrm>
-            <a:off x="381000" y="685800"/>
-            <a:ext cx="6096000" cy="3429000"/>
-          </a:xfrm>
-          <a:custGeom>
-            <a:avLst/>
-            <a:gdLst/>
-            <a:ahLst/>
-            <a:cxnLst/>
-            <a:rect l="l" t="t" r="r" b="b"/>
-            <a:pathLst>
-              <a:path w="120000" h="120000" extrusionOk="0">
-                <a:moveTo>
-                  <a:pt x="0" y="0"/>
-                </a:moveTo>
-                <a:lnTo>
-                  <a:pt x="120000" y="0"/>
-                </a:lnTo>
-                <a:lnTo>
-                  <a:pt x="120000" y="120000"/>
-                </a:lnTo>
-                <a:lnTo>
-                  <a:pt x="0" y="120000"/>
-                </a:lnTo>
-                <a:close/>
-              </a:path>
-            </a:pathLst>
-          </a:custGeom>
-        </p:spPr>
-      </p:sp>
-      <p:sp>
-        <p:nvSpPr>
-          <p:cNvPr id="269" name="Google Shape;269;g3888f0e7cf_0_5:notes"/>
-          <p:cNvSpPr txBox="1">
-            <a:spLocks noGrp="1"/>
-          </p:cNvSpPr>
-          <p:nvPr>
-            <p:ph type="body" idx="1"/>
-          </p:nvPr>
-        </p:nvSpPr>
-        <p:spPr>
-          <a:xfrm>
-            <a:off x="685800" y="4343400"/>
-            <a:ext cx="5486400" cy="4114800"/>
-          </a:xfrm>
-          <a:prstGeom prst="rect">
-            <a:avLst/>
-          </a:prstGeom>
-        </p:spPr>
-        <p:txBody>
-          <a:bodyPr spcFirstLastPara="1" wrap="square" lIns="91425" tIns="91425" rIns="91425" bIns="91425" anchor="t" anchorCtr="0">
-            <a:noAutofit/>
-          </a:bodyPr>
-          <a:lstStyle/>
-          <a:p>
-            <a:pPr marL="0" lvl="0" indent="0" algn="l" rtl="0">
-              <a:spcBef>
-                <a:spcPts val="0"/>
-              </a:spcBef>
-              <a:spcAft>
-                <a:spcPts val="0"/>
-              </a:spcAft>
-              <a:buNone/>
-            </a:pPr>
-            <a:endParaRPr/>
-          </a:p>
-        </p:txBody>
-      </p:sp>
-    </p:spTree>
-  </p:cSld>
-  <p:clrMapOvr>
-    <a:masterClrMapping/>
-  </p:clrMapOvr>
-</p:notes>
-</file>
-
-<file path=ppt/notesSlides/notesSlide8.xml><?xml version="1.0" encoding="utf-8"?>
-<p:notes xmlns:a="http://schemas.openxmlformats.org/drawingml/2006/main" xmlns:r="http://schemas.openxmlformats.org/officeDocument/2006/relationships" xmlns:p="http://schemas.openxmlformats.org/presentationml/2006/main" showMasterSp="0" showMasterPhAnim="0">
-  <p:cSld>
-    <p:spTree>
-      <p:nvGrpSpPr>
-        <p:cNvPr id="1" name="Shape 274"/>
-        <p:cNvGrpSpPr/>
-        <p:nvPr/>
-      </p:nvGrpSpPr>
-      <p:grpSpPr>
-        <a:xfrm>
-          <a:off x="0" y="0"/>
-          <a:ext cx="0" cy="0"/>
-          <a:chOff x="0" y="0"/>
-          <a:chExt cx="0" cy="0"/>
-        </a:xfrm>
-      </p:grpSpPr>
-      <p:sp>
-        <p:nvSpPr>
-          <p:cNvPr id="275" name="Google Shape;275;g3888f0e7cf_0_29:notes"/>
-          <p:cNvSpPr>
-            <a:spLocks noGrp="1" noRot="1" noChangeAspect="1"/>
-          </p:cNvSpPr>
-          <p:nvPr>
-            <p:ph type="sldImg" idx="2"/>
-          </p:nvPr>
-        </p:nvSpPr>
-        <p:spPr>
-          <a:xfrm>
-            <a:off x="381000" y="685800"/>
-            <a:ext cx="6096000" cy="3429000"/>
-          </a:xfrm>
-          <a:custGeom>
-            <a:avLst/>
-            <a:gdLst/>
-            <a:ahLst/>
-            <a:cxnLst/>
-            <a:rect l="l" t="t" r="r" b="b"/>
-            <a:pathLst>
-              <a:path w="120000" h="120000" extrusionOk="0">
-                <a:moveTo>
-                  <a:pt x="0" y="0"/>
-                </a:moveTo>
-                <a:lnTo>
-                  <a:pt x="120000" y="0"/>
-                </a:lnTo>
-                <a:lnTo>
-                  <a:pt x="120000" y="120000"/>
-                </a:lnTo>
-                <a:lnTo>
-                  <a:pt x="0" y="120000"/>
-                </a:lnTo>
-                <a:close/>
-              </a:path>
-            </a:pathLst>
-          </a:custGeom>
-        </p:spPr>
-      </p:sp>
-      <p:sp>
-        <p:nvSpPr>
-          <p:cNvPr id="276" name="Google Shape;276;g3888f0e7cf_0_29:notes"/>
-          <p:cNvSpPr txBox="1">
-            <a:spLocks noGrp="1"/>
-          </p:cNvSpPr>
-          <p:nvPr>
-            <p:ph type="body" idx="1"/>
-          </p:nvPr>
-        </p:nvSpPr>
-        <p:spPr>
-          <a:xfrm>
-            <a:off x="685800" y="4343400"/>
-            <a:ext cx="5486400" cy="4114800"/>
-          </a:xfrm>
-          <a:prstGeom prst="rect">
-            <a:avLst/>
-          </a:prstGeom>
-        </p:spPr>
-        <p:txBody>
-          <a:bodyPr spcFirstLastPara="1" wrap="square" lIns="91425" tIns="91425" rIns="91425" bIns="91425" anchor="t" anchorCtr="0">
-            <a:noAutofit/>
-          </a:bodyPr>
-          <a:lstStyle/>
-          <a:p>
-            <a:pPr marL="0" lvl="0" indent="0" algn="l" rtl="0">
-              <a:spcBef>
-                <a:spcPts val="0"/>
-              </a:spcBef>
-              <a:spcAft>
-                <a:spcPts val="0"/>
-              </a:spcAft>
-              <a:buNone/>
-            </a:pPr>
-            <a:endParaRPr/>
-          </a:p>
-        </p:txBody>
-      </p:sp>
-    </p:spTree>
-  </p:cSld>
-  <p:clrMapOvr>
-    <a:masterClrMapping/>
-  </p:clrMapOvr>
-</p:notes>
-</file>
-
-<file path=ppt/notesSlides/notesSlide9.xml><?xml version="1.0" encoding="utf-8"?>
+<file path=ppt/notesSlides/notesSlide6.xml><?xml version="1.0" encoding="utf-8"?>
 <p:notes xmlns:a="http://schemas.openxmlformats.org/drawingml/2006/main" xmlns:r="http://schemas.openxmlformats.org/officeDocument/2006/relationships" xmlns:p="http://schemas.openxmlformats.org/presentationml/2006/main" showMasterSp="0" showMasterPhAnim="0">
   <p:cSld>
     <p:spTree>
@@ -1718,6 +1291,110 @@
       <p:sp>
         <p:nvSpPr>
           <p:cNvPr id="303" name="Google Shape;303;g36f27afb51_0_113:notes"/>
+          <p:cNvSpPr txBox="1">
+            <a:spLocks noGrp="1"/>
+          </p:cNvSpPr>
+          <p:nvPr>
+            <p:ph type="body" idx="1"/>
+          </p:nvPr>
+        </p:nvSpPr>
+        <p:spPr>
+          <a:xfrm>
+            <a:off x="685800" y="4343400"/>
+            <a:ext cx="5486400" cy="4114800"/>
+          </a:xfrm>
+          <a:prstGeom prst="rect">
+            <a:avLst/>
+          </a:prstGeom>
+        </p:spPr>
+        <p:txBody>
+          <a:bodyPr spcFirstLastPara="1" wrap="square" lIns="91425" tIns="91425" rIns="91425" bIns="91425" anchor="t" anchorCtr="0">
+            <a:noAutofit/>
+          </a:bodyPr>
+          <a:lstStyle/>
+          <a:p>
+            <a:pPr marL="0" lvl="0" indent="0" algn="l" rtl="0">
+              <a:spcBef>
+                <a:spcPts val="0"/>
+              </a:spcBef>
+              <a:spcAft>
+                <a:spcPts val="0"/>
+              </a:spcAft>
+              <a:buNone/>
+            </a:pPr>
+            <a:endParaRPr/>
+          </a:p>
+        </p:txBody>
+      </p:sp>
+    </p:spTree>
+  </p:cSld>
+  <p:clrMapOvr>
+    <a:masterClrMapping/>
+  </p:clrMapOvr>
+</p:notes>
+</file>
+
+<file path=ppt/notesSlides/notesSlide7.xml><?xml version="1.0" encoding="utf-8"?>
+<p:notes xmlns:a="http://schemas.openxmlformats.org/drawingml/2006/main" xmlns:r="http://schemas.openxmlformats.org/officeDocument/2006/relationships" xmlns:p="http://schemas.openxmlformats.org/presentationml/2006/main" showMasterSp="0" showMasterPhAnim="0">
+  <p:cSld>
+    <p:spTree>
+      <p:nvGrpSpPr>
+        <p:cNvPr id="1" name="Shape 310"/>
+        <p:cNvGrpSpPr/>
+        <p:nvPr/>
+      </p:nvGrpSpPr>
+      <p:grpSpPr>
+        <a:xfrm>
+          <a:off x="0" y="0"/>
+          <a:ext cx="0" cy="0"/>
+          <a:chOff x="0" y="0"/>
+          <a:chExt cx="0" cy="0"/>
+        </a:xfrm>
+      </p:grpSpPr>
+      <p:sp>
+        <p:nvSpPr>
+          <p:cNvPr id="311" name="Google Shape;311;g3888f0e7cf_0_80:notes"/>
+          <p:cNvSpPr>
+            <a:spLocks noGrp="1" noRot="1" noChangeAspect="1"/>
+          </p:cNvSpPr>
+          <p:nvPr>
+            <p:ph type="sldImg" idx="2"/>
+          </p:nvPr>
+        </p:nvSpPr>
+        <p:spPr>
+          <a:xfrm>
+            <a:off x="381000" y="685800"/>
+            <a:ext cx="6096000" cy="3429000"/>
+          </a:xfrm>
+          <a:custGeom>
+            <a:avLst/>
+            <a:gdLst/>
+            <a:ahLst/>
+            <a:cxnLst/>
+            <a:rect l="l" t="t" r="r" b="b"/>
+            <a:pathLst>
+              <a:path w="120000" h="120000" extrusionOk="0">
+                <a:moveTo>
+                  <a:pt x="0" y="0"/>
+                </a:moveTo>
+                <a:lnTo>
+                  <a:pt x="120000" y="0"/>
+                </a:lnTo>
+                <a:lnTo>
+                  <a:pt x="120000" y="120000"/>
+                </a:lnTo>
+                <a:lnTo>
+                  <a:pt x="0" y="120000"/>
+                </a:lnTo>
+                <a:close/>
+              </a:path>
+            </a:pathLst>
+          </a:custGeom>
+        </p:spPr>
+      </p:sp>
+      <p:sp>
+        <p:nvSpPr>
+          <p:cNvPr id="312" name="Google Shape;312;g3888f0e7cf_0_80:notes"/>
           <p:cNvSpPr txBox="1">
             <a:spLocks noGrp="1"/>
           </p:cNvSpPr>
@@ -7188,8 +6865,8 @@
         </p:nvSpPr>
         <p:spPr>
           <a:xfrm>
-            <a:off x="510450" y="1257300"/>
-            <a:ext cx="8123100" cy="1588500"/>
+            <a:off x="510450" y="817565"/>
+            <a:ext cx="8123100" cy="2028235"/>
           </a:xfrm>
           <a:prstGeom prst="rect">
             <a:avLst/>
@@ -7211,10 +6888,10 @@
               <a:buNone/>
             </a:pPr>
             <a:r>
-              <a:rPr lang="en" dirty="0"/>
-              <a:t>Stock Market Predictor</a:t>
+              <a:rPr lang="en" sz="3600" dirty="0"/>
+              <a:t>Stock Market Predictor: An program using Natural Language Processing</a:t>
             </a:r>
-            <a:endParaRPr dirty="0"/>
+            <a:endParaRPr sz="3600" dirty="0"/>
           </a:p>
         </p:txBody>
       </p:sp>
@@ -7278,77 +6955,6 @@
             <a:r>
               <a:rPr lang="en-CA" dirty="0"/>
               <a:t> Zhang, Srishti Sehgal, Ashley Wang</a:t>
-            </a:r>
-            <a:endParaRPr dirty="0"/>
-          </a:p>
-        </p:txBody>
-      </p:sp>
-    </p:spTree>
-  </p:cSld>
-  <p:clrMapOvr>
-    <a:masterClrMapping/>
-  </p:clrMapOvr>
-</p:sld>
-</file>
-
-<file path=ppt/slides/slide10.xml><?xml version="1.0" encoding="utf-8"?>
-<p:sld xmlns:a="http://schemas.openxmlformats.org/drawingml/2006/main" xmlns:r="http://schemas.openxmlformats.org/officeDocument/2006/relationships" xmlns:p="http://schemas.openxmlformats.org/presentationml/2006/main">
-  <p:cSld>
-    <p:spTree>
-      <p:nvGrpSpPr>
-        <p:cNvPr id="1" name="Shape 313"/>
-        <p:cNvGrpSpPr/>
-        <p:nvPr/>
-      </p:nvGrpSpPr>
-      <p:grpSpPr>
-        <a:xfrm>
-          <a:off x="0" y="0"/>
-          <a:ext cx="0" cy="0"/>
-          <a:chOff x="0" y="0"/>
-          <a:chExt cx="0" cy="0"/>
-        </a:xfrm>
-      </p:grpSpPr>
-      <p:sp>
-        <p:nvSpPr>
-          <p:cNvPr id="314" name="Google Shape;314;p44"/>
-          <p:cNvSpPr txBox="1">
-            <a:spLocks noGrp="1"/>
-          </p:cNvSpPr>
-          <p:nvPr>
-            <p:ph type="title"/>
-          </p:nvPr>
-        </p:nvSpPr>
-        <p:spPr>
-          <a:xfrm>
-            <a:off x="510450" y="2057400"/>
-            <a:ext cx="8123100" cy="778800"/>
-          </a:xfrm>
-          <a:prstGeom prst="rect">
-            <a:avLst/>
-          </a:prstGeom>
-        </p:spPr>
-        <p:txBody>
-          <a:bodyPr spcFirstLastPara="1" wrap="square" lIns="91425" tIns="91425" rIns="91425" bIns="91425" anchor="b" anchorCtr="0">
-            <a:noAutofit/>
-          </a:bodyPr>
-          <a:lstStyle/>
-          <a:p>
-            <a:pPr marL="0" lvl="0" indent="0" algn="l" rtl="0">
-              <a:spcBef>
-                <a:spcPts val="0"/>
-              </a:spcBef>
-              <a:spcAft>
-                <a:spcPts val="0"/>
-              </a:spcAft>
-              <a:buNone/>
-            </a:pPr>
-            <a:r>
-              <a:rPr lang="en" dirty="0"/>
-              <a:t>Project available on </a:t>
-            </a:r>
-            <a:r>
-              <a:rPr lang="en" u="sng" dirty="0"/>
-              <a:t>Github</a:t>
             </a:r>
             <a:endParaRPr dirty="0"/>
           </a:p>
@@ -7770,6 +7376,22 @@
             <a:r>
               <a:rPr lang="en" sz="1600" dirty="0"/>
               <a:t>Which model can we use to predict the future trend of a stock?</a:t>
+            </a:r>
+          </a:p>
+          <a:p>
+            <a:pPr marL="457200" lvl="0" indent="-330200" algn="l" rtl="0">
+              <a:spcBef>
+                <a:spcPts val="1000"/>
+              </a:spcBef>
+              <a:spcAft>
+                <a:spcPts val="1000"/>
+              </a:spcAft>
+              <a:buSzPts val="1600"/>
+              <a:buChar char="●"/>
+            </a:pPr>
+            <a:r>
+              <a:rPr lang="en" sz="1600" dirty="0"/>
+              <a:t>Can we predict the trend of tomorrow stock’s price using a tweet or newspaper headline?</a:t>
             </a:r>
             <a:endParaRPr sz="1600" dirty="0"/>
           </a:p>
@@ -7875,210 +7497,6 @@
   <p:cSld>
     <p:spTree>
       <p:nvGrpSpPr>
-        <p:cNvPr id="1" name="Shape 80"/>
-        <p:cNvGrpSpPr/>
-        <p:nvPr/>
-      </p:nvGrpSpPr>
-      <p:grpSpPr>
-        <a:xfrm>
-          <a:off x="0" y="0"/>
-          <a:ext cx="0" cy="0"/>
-          <a:chOff x="0" y="0"/>
-          <a:chExt cx="0" cy="0"/>
-        </a:xfrm>
-      </p:grpSpPr>
-      <p:sp>
-        <p:nvSpPr>
-          <p:cNvPr id="81" name="Google Shape;81;p16"/>
-          <p:cNvSpPr txBox="1">
-            <a:spLocks noGrp="1"/>
-          </p:cNvSpPr>
-          <p:nvPr>
-            <p:ph type="title"/>
-          </p:nvPr>
-        </p:nvSpPr>
-        <p:spPr>
-          <a:xfrm>
-            <a:off x="311700" y="445025"/>
-            <a:ext cx="8520600" cy="572700"/>
-          </a:xfrm>
-          <a:prstGeom prst="rect">
-            <a:avLst/>
-          </a:prstGeom>
-        </p:spPr>
-        <p:txBody>
-          <a:bodyPr spcFirstLastPara="1" wrap="square" lIns="91425" tIns="91425" rIns="91425" bIns="91425" anchor="t" anchorCtr="0">
-            <a:noAutofit/>
-          </a:bodyPr>
-          <a:lstStyle/>
-          <a:p>
-            <a:pPr marL="0" lvl="0" indent="0" algn="l" rtl="0">
-              <a:spcBef>
-                <a:spcPts val="0"/>
-              </a:spcBef>
-              <a:spcAft>
-                <a:spcPts val="0"/>
-              </a:spcAft>
-              <a:buNone/>
-            </a:pPr>
-            <a:r>
-              <a:rPr lang="en"/>
-              <a:t>Step 2: Data Understanding</a:t>
-            </a:r>
-            <a:endParaRPr/>
-          </a:p>
-        </p:txBody>
-      </p:sp>
-      <p:sp>
-        <p:nvSpPr>
-          <p:cNvPr id="82" name="Google Shape;82;p16"/>
-          <p:cNvSpPr txBox="1">
-            <a:spLocks noGrp="1"/>
-          </p:cNvSpPr>
-          <p:nvPr>
-            <p:ph type="body" idx="1"/>
-          </p:nvPr>
-        </p:nvSpPr>
-        <p:spPr>
-          <a:xfrm>
-            <a:off x="311700" y="1152475"/>
-            <a:ext cx="4303800" cy="3416400"/>
-          </a:xfrm>
-          <a:prstGeom prst="rect">
-            <a:avLst/>
-          </a:prstGeom>
-        </p:spPr>
-        <p:txBody>
-          <a:bodyPr spcFirstLastPara="1" wrap="square" lIns="91425" tIns="91425" rIns="91425" bIns="91425" anchor="t" anchorCtr="0">
-            <a:noAutofit/>
-          </a:bodyPr>
-          <a:lstStyle/>
-          <a:p>
-            <a:pPr marL="0" lvl="0" indent="0" algn="l" rtl="0">
-              <a:spcBef>
-                <a:spcPts val="0"/>
-              </a:spcBef>
-              <a:spcAft>
-                <a:spcPts val="0"/>
-              </a:spcAft>
-              <a:buNone/>
-            </a:pPr>
-            <a:r>
-              <a:rPr lang="en" sz="1600" b="1" dirty="0"/>
-              <a:t>Data Acquisition</a:t>
-            </a:r>
-            <a:br>
-              <a:rPr lang="en" sz="1600" b="1" dirty="0"/>
-            </a:br>
-            <a:br>
-              <a:rPr lang="en" sz="1600" dirty="0"/>
-            </a:br>
-            <a:endParaRPr sz="1600" dirty="0"/>
-          </a:p>
-        </p:txBody>
-      </p:sp>
-      <p:grpSp>
-        <p:nvGrpSpPr>
-          <p:cNvPr id="83" name="Google Shape;83;p16"/>
-          <p:cNvGrpSpPr/>
-          <p:nvPr/>
-        </p:nvGrpSpPr>
-        <p:grpSpPr>
-          <a:xfrm>
-            <a:off x="5019275" y="1017713"/>
-            <a:ext cx="3813034" cy="3820977"/>
-            <a:chOff x="5019275" y="1017713"/>
-            <a:chExt cx="3813034" cy="3820977"/>
-          </a:xfrm>
-        </p:grpSpPr>
-        <p:pic>
-          <p:nvPicPr>
-            <p:cNvPr id="84" name="Google Shape;84;p16"/>
-            <p:cNvPicPr preferRelativeResize="0"/>
-            <p:nvPr/>
-          </p:nvPicPr>
-          <p:blipFill>
-            <a:blip r:embed="rId3">
-              <a:alphaModFix/>
-            </a:blip>
-            <a:stretch>
-              <a:fillRect/>
-            </a:stretch>
-          </p:blipFill>
-          <p:spPr>
-            <a:xfrm>
-              <a:off x="5019275" y="1017713"/>
-              <a:ext cx="3813034" cy="3820977"/>
-            </a:xfrm>
-            <a:prstGeom prst="rect">
-              <a:avLst/>
-            </a:prstGeom>
-            <a:noFill/>
-            <a:ln>
-              <a:noFill/>
-            </a:ln>
-          </p:spPr>
-        </p:pic>
-        <p:sp>
-          <p:nvSpPr>
-            <p:cNvPr id="85" name="Google Shape;85;p16"/>
-            <p:cNvSpPr/>
-            <p:nvPr/>
-          </p:nvSpPr>
-          <p:spPr>
-            <a:xfrm>
-              <a:off x="7016950" y="1464725"/>
-              <a:ext cx="1200600" cy="732300"/>
-            </a:xfrm>
-            <a:prstGeom prst="roundRect">
-              <a:avLst>
-                <a:gd name="adj" fmla="val 16667"/>
-              </a:avLst>
-            </a:prstGeom>
-            <a:noFill/>
-            <a:ln w="38100" cap="flat" cmpd="sng">
-              <a:solidFill>
-                <a:srgbClr val="FF0000"/>
-              </a:solidFill>
-              <a:prstDash val="solid"/>
-              <a:round/>
-              <a:headEnd type="none" w="sm" len="sm"/>
-              <a:tailEnd type="none" w="sm" len="sm"/>
-            </a:ln>
-          </p:spPr>
-          <p:txBody>
-            <a:bodyPr spcFirstLastPara="1" wrap="square" lIns="91425" tIns="91425" rIns="91425" bIns="91425" anchor="ctr" anchorCtr="0">
-              <a:noAutofit/>
-            </a:bodyPr>
-            <a:lstStyle/>
-            <a:p>
-              <a:pPr marL="0" lvl="0" indent="0" algn="l" rtl="0">
-                <a:spcBef>
-                  <a:spcPts val="0"/>
-                </a:spcBef>
-                <a:spcAft>
-                  <a:spcPts val="0"/>
-                </a:spcAft>
-                <a:buNone/>
-              </a:pPr>
-              <a:endParaRPr/>
-            </a:p>
-          </p:txBody>
-        </p:sp>
-      </p:grpSp>
-    </p:spTree>
-  </p:cSld>
-  <p:clrMapOvr>
-    <a:masterClrMapping/>
-  </p:clrMapOvr>
-</p:sld>
-</file>
-
-<file path=ppt/slides/slide5.xml><?xml version="1.0" encoding="utf-8"?>
-<p:sld xmlns:a="http://schemas.openxmlformats.org/drawingml/2006/main" xmlns:r="http://schemas.openxmlformats.org/officeDocument/2006/relationships" xmlns:p="http://schemas.openxmlformats.org/presentationml/2006/main">
-  <p:cSld>
-    <p:spTree>
-      <p:nvGrpSpPr>
         <p:cNvPr id="1" name="Shape 107"/>
         <p:cNvGrpSpPr/>
         <p:nvPr/>
@@ -8145,8 +7563,8 @@
         </p:nvSpPr>
         <p:spPr>
           <a:xfrm>
-            <a:off x="311700" y="1152475"/>
-            <a:ext cx="4618800" cy="3416400"/>
+            <a:off x="92597" y="1152475"/>
+            <a:ext cx="4919241" cy="3813064"/>
           </a:xfrm>
           <a:prstGeom prst="rect">
             <a:avLst/>
@@ -8185,16 +7603,12 @@
             </a:pPr>
             <a:r>
               <a:rPr lang="en" sz="1600" dirty="0"/>
-              <a:t>Parsing of text (4 points)</a:t>
+              <a:t>Parsing of text </a:t>
             </a:r>
-            <a:endParaRPr sz="1600" dirty="0"/>
           </a:p>
           <a:p>
-            <a:pPr marL="412750" indent="-285750">
-              <a:spcBef>
-                <a:spcPts val="1600"/>
-              </a:spcBef>
-              <a:buSzPts val="1600"/>
+            <a:pPr marL="0" indent="0">
+              <a:buNone/>
             </a:pPr>
             <a:r>
               <a:rPr lang="en" sz="1600" dirty="0"/>
@@ -8202,15 +7616,41 @@
             </a:r>
           </a:p>
           <a:p>
-            <a:pPr marL="869950" lvl="1" indent="-285750">
-              <a:spcBef>
-                <a:spcPts val="0"/>
-              </a:spcBef>
+            <a:pPr marL="127000" indent="0">
               <a:buSzPts val="1600"/>
+              <a:buNone/>
             </a:pPr>
             <a:r>
-              <a:rPr lang="en" sz="1200" dirty="0"/>
-              <a:t>Returns</a:t>
+              <a:rPr lang="en" sz="1600" dirty="0"/>
+              <a:t>Returns, </a:t>
+            </a:r>
+            <a:r>
+              <a:rPr lang="en-CA" sz="1600" dirty="0"/>
+              <a:t>V</a:t>
+            </a:r>
+            <a:r>
+              <a:rPr lang="en" sz="1600" dirty="0" err="1"/>
+              <a:t>olume</a:t>
+            </a:r>
+            <a:r>
+              <a:rPr lang="en" sz="1600" dirty="0"/>
+              <a:t>, M&amp;A data…Processing of the text (removal/</a:t>
+            </a:r>
+            <a:r>
+              <a:rPr lang="en" sz="1600" dirty="0" err="1"/>
+              <a:t>modifi</a:t>
+            </a:r>
+            <a:r>
+              <a:rPr lang="en-CA" sz="1600" dirty="0"/>
+              <a:t>c</a:t>
+            </a:r>
+            <a:r>
+              <a:rPr lang="en" sz="1600" dirty="0" err="1"/>
+              <a:t>ation</a:t>
+            </a:r>
+            <a:r>
+              <a:rPr lang="en" sz="1600" dirty="0"/>
+              <a:t>):</a:t>
             </a:r>
           </a:p>
           <a:p>
@@ -8221,12 +7661,8 @@
               <a:buSzPts val="1600"/>
             </a:pPr>
             <a:r>
-              <a:rPr lang="en-CA" sz="1200" dirty="0"/>
-              <a:t>V</a:t>
-            </a:r>
-            <a:r>
-              <a:rPr lang="en" sz="1200" dirty="0"/>
-              <a:t>olume</a:t>
+              <a:rPr lang="en-CA" sz="1600" dirty="0"/>
+              <a:t>language stop-words (is, am, the, of, in)</a:t>
             </a:r>
           </a:p>
           <a:p>
@@ -8237,25 +7673,74 @@
               <a:buSzPts val="1600"/>
             </a:pPr>
             <a:r>
-              <a:rPr lang="en-US" sz="1200" dirty="0"/>
-              <a:t>T</a:t>
+              <a:rPr lang="en-CA" sz="1600" dirty="0"/>
+              <a:t>stripping the suffixes (“</a:t>
             </a:r>
             <a:r>
-              <a:rPr lang="en-CA" sz="1200" dirty="0" err="1"/>
-              <a:t>ime</a:t>
+              <a:rPr lang="en-CA" sz="1600" dirty="0" err="1"/>
+              <a:t>ing</a:t>
             </a:r>
             <a:r>
-              <a:rPr lang="en-CA" sz="1200" dirty="0"/>
-              <a:t> of day</a:t>
+              <a:rPr lang="en-CA" sz="1600" dirty="0"/>
+              <a:t>”, “</a:t>
             </a:r>
-            <a:endParaRPr lang="en" sz="1200" dirty="0"/>
+            <a:r>
+              <a:rPr lang="en-CA" sz="1600" dirty="0" err="1"/>
+              <a:t>ly</a:t>
+            </a:r>
+            <a:r>
+              <a:rPr lang="en-CA" sz="1600" dirty="0"/>
+              <a:t>”, “</a:t>
+            </a:r>
+            <a:r>
+              <a:rPr lang="en-CA" sz="1600" dirty="0" err="1"/>
+              <a:t>ed</a:t>
+            </a:r>
+            <a:r>
+              <a:rPr lang="en-CA" sz="1600" dirty="0"/>
+              <a:t>”)</a:t>
+            </a:r>
           </a:p>
           <a:p>
-            <a:pPr lvl="1" indent="-330200">
+            <a:pPr marL="869950" lvl="1" indent="-285750">
+              <a:spcBef>
+                <a:spcPts val="0"/>
+              </a:spcBef>
               <a:buSzPts val="1600"/>
-              <a:buChar char="●"/>
             </a:pPr>
-            <a:endParaRPr sz="1200" dirty="0"/>
+            <a:r>
+              <a:rPr lang="en-CA" sz="1600" dirty="0"/>
+              <a:t>acronyms, hashtags with attached words, and colloquial slangs are converted into proper words</a:t>
+            </a:r>
+          </a:p>
+          <a:p>
+            <a:pPr marL="869950" lvl="1" indent="-285750">
+              <a:spcBef>
+                <a:spcPts val="0"/>
+              </a:spcBef>
+              <a:buSzPts val="1600"/>
+            </a:pPr>
+            <a:r>
+              <a:rPr lang="en-CA" sz="1600" dirty="0"/>
+              <a:t>Removed null-valued rows</a:t>
+            </a:r>
+          </a:p>
+          <a:p>
+            <a:pPr marL="869950" lvl="1" indent="-285750">
+              <a:spcBef>
+                <a:spcPts val="0"/>
+              </a:spcBef>
+              <a:buSzPts val="1600"/>
+            </a:pPr>
+            <a:r>
+              <a:rPr lang="en-CA" sz="1600" dirty="0"/>
+              <a:t>Used quantitative methods to develop target and a heterogenous </a:t>
+            </a:r>
+            <a:r>
+              <a:rPr lang="en-CA" sz="1600" dirty="0" err="1"/>
+              <a:t>dataframe</a:t>
+            </a:r>
+            <a:endParaRPr lang="en" sz="1600" dirty="0"/>
           </a:p>
         </p:txBody>
       </p:sp>
@@ -8267,8 +7752,8 @@
         </p:nvGrpSpPr>
         <p:grpSpPr>
           <a:xfrm>
-            <a:off x="5019275" y="1017713"/>
-            <a:ext cx="3813034" cy="3820977"/>
+            <a:off x="5011838" y="1017713"/>
+            <a:ext cx="3820470" cy="3813064"/>
             <a:chOff x="5019275" y="1017713"/>
             <a:chExt cx="3813034" cy="3820977"/>
           </a:xfrm>
@@ -8356,7 +7841,7 @@
 </p:sld>
 </file>
 
-<file path=ppt/slides/slide6.xml><?xml version="1.0" encoding="utf-8"?>
+<file path=ppt/slides/slide5.xml><?xml version="1.0" encoding="utf-8"?>
 <p:sld xmlns:a="http://schemas.openxmlformats.org/drawingml/2006/main" xmlns:r="http://schemas.openxmlformats.org/officeDocument/2006/relationships" xmlns:p="http://schemas.openxmlformats.org/presentationml/2006/main">
   <p:cSld>
     <p:spTree>
@@ -8557,6 +8042,134 @@
           </p:txBody>
         </p:sp>
       </p:grpSp>
+      <p:pic>
+        <p:nvPicPr>
+          <p:cNvPr id="2" name="Picture 1">
+            <a:extLst>
+              <a:ext uri="{FF2B5EF4-FFF2-40B4-BE49-F238E27FC236}">
+                <a16:creationId xmlns:a16="http://schemas.microsoft.com/office/drawing/2014/main" id="{FAC8E17A-4102-E24D-BAEF-C5BC053D3866}"/>
+              </a:ext>
+            </a:extLst>
+          </p:cNvPr>
+          <p:cNvPicPr>
+            <a:picLocks noChangeAspect="1"/>
+          </p:cNvPicPr>
+          <p:nvPr/>
+        </p:nvPicPr>
+        <p:blipFill>
+          <a:blip r:embed="rId4"/>
+          <a:stretch>
+            <a:fillRect/>
+          </a:stretch>
+        </p:blipFill>
+        <p:spPr>
+          <a:xfrm>
+            <a:off x="112225" y="3308825"/>
+            <a:ext cx="3517900" cy="1676400"/>
+          </a:xfrm>
+          <a:prstGeom prst="rect">
+            <a:avLst/>
+          </a:prstGeom>
+        </p:spPr>
+      </p:pic>
+      <p:sp>
+        <p:nvSpPr>
+          <p:cNvPr id="3" name="Rectangle 2">
+            <a:extLst>
+              <a:ext uri="{FF2B5EF4-FFF2-40B4-BE49-F238E27FC236}">
+                <a16:creationId xmlns:a16="http://schemas.microsoft.com/office/drawing/2014/main" id="{C0116779-788C-1F47-B841-F8AC37B40BAD}"/>
+              </a:ext>
+            </a:extLst>
+          </p:cNvPr>
+          <p:cNvSpPr/>
+          <p:nvPr/>
+        </p:nvSpPr>
+        <p:spPr>
+          <a:xfrm>
+            <a:off x="810228" y="3796496"/>
+            <a:ext cx="544010" cy="266218"/>
+          </a:xfrm>
+          <a:prstGeom prst="rect">
+            <a:avLst/>
+          </a:prstGeom>
+        </p:spPr>
+        <p:style>
+          <a:lnRef idx="2">
+            <a:schemeClr val="accent1">
+              <a:shade val="50000"/>
+            </a:schemeClr>
+          </a:lnRef>
+          <a:fillRef idx="1">
+            <a:schemeClr val="accent1"/>
+          </a:fillRef>
+          <a:effectRef idx="0">
+            <a:schemeClr val="accent1"/>
+          </a:effectRef>
+          <a:fontRef idx="minor">
+            <a:schemeClr val="lt1"/>
+          </a:fontRef>
+        </p:style>
+        <p:txBody>
+          <a:bodyPr rtlCol="0" anchor="ctr"/>
+          <a:lstStyle/>
+          <a:p>
+            <a:pPr algn="ctr"/>
+            <a:r>
+              <a:rPr lang="en-US" sz="1050" dirty="0"/>
+              <a:t>Clean-up</a:t>
+            </a:r>
+          </a:p>
+        </p:txBody>
+      </p:sp>
+      <p:sp>
+        <p:nvSpPr>
+          <p:cNvPr id="9" name="Rectangle 8">
+            <a:extLst>
+              <a:ext uri="{FF2B5EF4-FFF2-40B4-BE49-F238E27FC236}">
+                <a16:creationId xmlns:a16="http://schemas.microsoft.com/office/drawing/2014/main" id="{77E2952C-5E2A-D442-8245-5C19E74BB508}"/>
+              </a:ext>
+            </a:extLst>
+          </p:cNvPr>
+          <p:cNvSpPr/>
+          <p:nvPr/>
+        </p:nvSpPr>
+        <p:spPr>
+          <a:xfrm>
+            <a:off x="810228" y="4527235"/>
+            <a:ext cx="544010" cy="266218"/>
+          </a:xfrm>
+          <a:prstGeom prst="rect">
+            <a:avLst/>
+          </a:prstGeom>
+        </p:spPr>
+        <p:style>
+          <a:lnRef idx="2">
+            <a:schemeClr val="accent1">
+              <a:shade val="50000"/>
+            </a:schemeClr>
+          </a:lnRef>
+          <a:fillRef idx="1">
+            <a:schemeClr val="accent1"/>
+          </a:fillRef>
+          <a:effectRef idx="0">
+            <a:schemeClr val="accent1"/>
+          </a:effectRef>
+          <a:fontRef idx="minor">
+            <a:schemeClr val="lt1"/>
+          </a:fontRef>
+        </p:style>
+        <p:txBody>
+          <a:bodyPr rtlCol="0" anchor="ctr"/>
+          <a:lstStyle/>
+          <a:p>
+            <a:pPr algn="ctr"/>
+            <a:r>
+              <a:rPr lang="en-US" sz="1050" dirty="0"/>
+              <a:t>Clean-up</a:t>
+            </a:r>
+          </a:p>
+        </p:txBody>
+      </p:sp>
     </p:spTree>
   </p:cSld>
   <p:clrMapOvr>
@@ -8565,338 +8178,7 @@
 </p:sld>
 </file>
 
-<file path=ppt/slides/slide7.xml><?xml version="1.0" encoding="utf-8"?>
-<p:sld xmlns:a="http://schemas.openxmlformats.org/drawingml/2006/main" xmlns:r="http://schemas.openxmlformats.org/officeDocument/2006/relationships" xmlns:p="http://schemas.openxmlformats.org/presentationml/2006/main">
-  <p:cSld>
-    <p:spTree>
-      <p:nvGrpSpPr>
-        <p:cNvPr id="1" name="Shape 270"/>
-        <p:cNvGrpSpPr/>
-        <p:nvPr/>
-      </p:nvGrpSpPr>
-      <p:grpSpPr>
-        <a:xfrm>
-          <a:off x="0" y="0"/>
-          <a:ext cx="0" cy="0"/>
-          <a:chOff x="0" y="0"/>
-          <a:chExt cx="0" cy="0"/>
-        </a:xfrm>
-      </p:grpSpPr>
-      <p:sp>
-        <p:nvSpPr>
-          <p:cNvPr id="271" name="Google Shape;271;p39"/>
-          <p:cNvSpPr txBox="1">
-            <a:spLocks noGrp="1"/>
-          </p:cNvSpPr>
-          <p:nvPr>
-            <p:ph type="title"/>
-          </p:nvPr>
-        </p:nvSpPr>
-        <p:spPr>
-          <a:xfrm>
-            <a:off x="311700" y="445025"/>
-            <a:ext cx="8520600" cy="572700"/>
-          </a:xfrm>
-          <a:prstGeom prst="rect">
-            <a:avLst/>
-          </a:prstGeom>
-        </p:spPr>
-        <p:txBody>
-          <a:bodyPr spcFirstLastPara="1" wrap="square" lIns="91425" tIns="91425" rIns="91425" bIns="91425" anchor="t" anchorCtr="0">
-            <a:noAutofit/>
-          </a:bodyPr>
-          <a:lstStyle/>
-          <a:p>
-            <a:pPr marL="0" lvl="0" indent="0" algn="l" rtl="0">
-              <a:spcBef>
-                <a:spcPts val="0"/>
-              </a:spcBef>
-              <a:spcAft>
-                <a:spcPts val="0"/>
-              </a:spcAft>
-              <a:buNone/>
-            </a:pPr>
-            <a:r>
-              <a:rPr lang="en"/>
-              <a:t>Step 4: Modeling</a:t>
-            </a:r>
-            <a:endParaRPr/>
-          </a:p>
-        </p:txBody>
-      </p:sp>
-      <p:sp>
-        <p:nvSpPr>
-          <p:cNvPr id="272" name="Google Shape;272;p39"/>
-          <p:cNvSpPr txBox="1">
-            <a:spLocks noGrp="1"/>
-          </p:cNvSpPr>
-          <p:nvPr>
-            <p:ph type="body" idx="1"/>
-          </p:nvPr>
-        </p:nvSpPr>
-        <p:spPr>
-          <a:xfrm>
-            <a:off x="311700" y="1152475"/>
-            <a:ext cx="4508100" cy="3416400"/>
-          </a:xfrm>
-          <a:prstGeom prst="rect">
-            <a:avLst/>
-          </a:prstGeom>
-        </p:spPr>
-        <p:txBody>
-          <a:bodyPr spcFirstLastPara="1" wrap="square" lIns="91425" tIns="91425" rIns="91425" bIns="91425" anchor="t" anchorCtr="0">
-            <a:noAutofit/>
-          </a:bodyPr>
-          <a:lstStyle/>
-          <a:p>
-            <a:pPr marL="0" lvl="0" indent="0" algn="l" rtl="0">
-              <a:spcBef>
-                <a:spcPts val="0"/>
-              </a:spcBef>
-              <a:spcAft>
-                <a:spcPts val="0"/>
-              </a:spcAft>
-              <a:buNone/>
-            </a:pPr>
-            <a:r>
-              <a:rPr lang="en" sz="1600" b="1" dirty="0"/>
-              <a:t>Model Construction &amp; Evaluation</a:t>
-            </a:r>
-            <a:endParaRPr sz="1600" b="1" dirty="0"/>
-          </a:p>
-        </p:txBody>
-      </p:sp>
-      <p:pic>
-        <p:nvPicPr>
-          <p:cNvPr id="273" name="Google Shape;273;p39"/>
-          <p:cNvPicPr preferRelativeResize="0"/>
-          <p:nvPr/>
-        </p:nvPicPr>
-        <p:blipFill>
-          <a:blip r:embed="rId3">
-            <a:alphaModFix/>
-          </a:blip>
-          <a:stretch>
-            <a:fillRect/>
-          </a:stretch>
-        </p:blipFill>
-        <p:spPr>
-          <a:xfrm>
-            <a:off x="4782525" y="1283800"/>
-            <a:ext cx="4019400" cy="2483415"/>
-          </a:xfrm>
-          <a:prstGeom prst="rect">
-            <a:avLst/>
-          </a:prstGeom>
-          <a:noFill/>
-          <a:ln>
-            <a:noFill/>
-          </a:ln>
-        </p:spPr>
-      </p:pic>
-    </p:spTree>
-  </p:cSld>
-  <p:clrMapOvr>
-    <a:masterClrMapping/>
-  </p:clrMapOvr>
-</p:sld>
-</file>
-
-<file path=ppt/slides/slide8.xml><?xml version="1.0" encoding="utf-8"?>
-<p:sld xmlns:a="http://schemas.openxmlformats.org/drawingml/2006/main" xmlns:r="http://schemas.openxmlformats.org/officeDocument/2006/relationships" xmlns:p="http://schemas.openxmlformats.org/presentationml/2006/main">
-  <p:cSld>
-    <p:spTree>
-      <p:nvGrpSpPr>
-        <p:cNvPr id="1" name="Shape 277"/>
-        <p:cNvGrpSpPr/>
-        <p:nvPr/>
-      </p:nvGrpSpPr>
-      <p:grpSpPr>
-        <a:xfrm>
-          <a:off x="0" y="0"/>
-          <a:ext cx="0" cy="0"/>
-          <a:chOff x="0" y="0"/>
-          <a:chExt cx="0" cy="0"/>
-        </a:xfrm>
-      </p:grpSpPr>
-      <p:sp>
-        <p:nvSpPr>
-          <p:cNvPr id="278" name="Google Shape;278;p40"/>
-          <p:cNvSpPr txBox="1">
-            <a:spLocks noGrp="1"/>
-          </p:cNvSpPr>
-          <p:nvPr>
-            <p:ph type="title"/>
-          </p:nvPr>
-        </p:nvSpPr>
-        <p:spPr>
-          <a:xfrm>
-            <a:off x="311700" y="445025"/>
-            <a:ext cx="8520600" cy="572700"/>
-          </a:xfrm>
-          <a:prstGeom prst="rect">
-            <a:avLst/>
-          </a:prstGeom>
-        </p:spPr>
-        <p:txBody>
-          <a:bodyPr spcFirstLastPara="1" wrap="square" lIns="91425" tIns="91425" rIns="91425" bIns="91425" anchor="t" anchorCtr="0">
-            <a:noAutofit/>
-          </a:bodyPr>
-          <a:lstStyle/>
-          <a:p>
-            <a:pPr marL="0" lvl="0" indent="0" algn="l" rtl="0">
-              <a:spcBef>
-                <a:spcPts val="0"/>
-              </a:spcBef>
-              <a:spcAft>
-                <a:spcPts val="0"/>
-              </a:spcAft>
-              <a:buNone/>
-            </a:pPr>
-            <a:r>
-              <a:rPr lang="en"/>
-              <a:t>Step 5: Evaluation</a:t>
-            </a:r>
-            <a:endParaRPr/>
-          </a:p>
-        </p:txBody>
-      </p:sp>
-      <p:sp>
-        <p:nvSpPr>
-          <p:cNvPr id="279" name="Google Shape;279;p40"/>
-          <p:cNvSpPr txBox="1">
-            <a:spLocks noGrp="1"/>
-          </p:cNvSpPr>
-          <p:nvPr>
-            <p:ph type="body" idx="1"/>
-          </p:nvPr>
-        </p:nvSpPr>
-        <p:spPr>
-          <a:xfrm>
-            <a:off x="311700" y="1152475"/>
-            <a:ext cx="4496100" cy="3416400"/>
-          </a:xfrm>
-          <a:prstGeom prst="rect">
-            <a:avLst/>
-          </a:prstGeom>
-        </p:spPr>
-        <p:txBody>
-          <a:bodyPr spcFirstLastPara="1" wrap="square" lIns="91425" tIns="91425" rIns="91425" bIns="91425" anchor="t" anchorCtr="0">
-            <a:noAutofit/>
-          </a:bodyPr>
-          <a:lstStyle/>
-          <a:p>
-            <a:pPr marL="0" lvl="0" indent="0" algn="l" rtl="0">
-              <a:spcBef>
-                <a:spcPts val="0"/>
-              </a:spcBef>
-              <a:spcAft>
-                <a:spcPts val="0"/>
-              </a:spcAft>
-              <a:buNone/>
-            </a:pPr>
-            <a:endParaRPr sz="1600" dirty="0"/>
-          </a:p>
-        </p:txBody>
-      </p:sp>
-      <p:grpSp>
-        <p:nvGrpSpPr>
-          <p:cNvPr id="280" name="Google Shape;280;p40"/>
-          <p:cNvGrpSpPr/>
-          <p:nvPr/>
-        </p:nvGrpSpPr>
-        <p:grpSpPr>
-          <a:xfrm>
-            <a:off x="5019275" y="1017713"/>
-            <a:ext cx="3813034" cy="3820977"/>
-            <a:chOff x="5019275" y="1017713"/>
-            <a:chExt cx="3813034" cy="3820977"/>
-          </a:xfrm>
-        </p:grpSpPr>
-        <p:pic>
-          <p:nvPicPr>
-            <p:cNvPr id="281" name="Google Shape;281;p40"/>
-            <p:cNvPicPr preferRelativeResize="0"/>
-            <p:nvPr/>
-          </p:nvPicPr>
-          <p:blipFill>
-            <a:blip r:embed="rId3">
-              <a:alphaModFix/>
-            </a:blip>
-            <a:stretch>
-              <a:fillRect/>
-            </a:stretch>
-          </p:blipFill>
-          <p:spPr>
-            <a:xfrm>
-              <a:off x="5019275" y="1017713"/>
-              <a:ext cx="3813034" cy="3820977"/>
-            </a:xfrm>
-            <a:prstGeom prst="rect">
-              <a:avLst/>
-            </a:prstGeom>
-            <a:noFill/>
-            <a:ln>
-              <a:noFill/>
-            </a:ln>
-          </p:spPr>
-        </p:pic>
-        <p:sp>
-          <p:nvSpPr>
-            <p:cNvPr id="282" name="Google Shape;282;p40"/>
-            <p:cNvSpPr/>
-            <p:nvPr/>
-          </p:nvSpPr>
-          <p:spPr>
-            <a:xfrm>
-              <a:off x="6278837" y="3661775"/>
-              <a:ext cx="1293900" cy="766500"/>
-            </a:xfrm>
-            <a:prstGeom prst="roundRect">
-              <a:avLst>
-                <a:gd name="adj" fmla="val 16667"/>
-              </a:avLst>
-            </a:prstGeom>
-            <a:noFill/>
-            <a:ln w="38100" cap="flat" cmpd="sng">
-              <a:solidFill>
-                <a:srgbClr val="FF0000"/>
-              </a:solidFill>
-              <a:prstDash val="solid"/>
-              <a:round/>
-              <a:headEnd type="none" w="sm" len="sm"/>
-              <a:tailEnd type="none" w="sm" len="sm"/>
-            </a:ln>
-          </p:spPr>
-          <p:txBody>
-            <a:bodyPr spcFirstLastPara="1" wrap="square" lIns="91425" tIns="91425" rIns="91425" bIns="91425" anchor="ctr" anchorCtr="0">
-              <a:noAutofit/>
-            </a:bodyPr>
-            <a:lstStyle/>
-            <a:p>
-              <a:pPr marL="0" lvl="0" indent="0" algn="l" rtl="0">
-                <a:spcBef>
-                  <a:spcPts val="0"/>
-                </a:spcBef>
-                <a:spcAft>
-                  <a:spcPts val="0"/>
-                </a:spcAft>
-                <a:buNone/>
-              </a:pPr>
-              <a:endParaRPr/>
-            </a:p>
-          </p:txBody>
-        </p:sp>
-      </p:grpSp>
-    </p:spTree>
-  </p:cSld>
-  <p:clrMapOvr>
-    <a:masterClrMapping/>
-  </p:clrMapOvr>
-</p:sld>
-</file>
-
-<file path=ppt/slides/slide9.xml><?xml version="1.0" encoding="utf-8"?>
+<file path=ppt/slides/slide6.xml><?xml version="1.0" encoding="utf-8"?>
 <p:sld xmlns:a="http://schemas.openxmlformats.org/drawingml/2006/main" xmlns:r="http://schemas.openxmlformats.org/officeDocument/2006/relationships" xmlns:p="http://schemas.openxmlformats.org/presentationml/2006/main">
   <p:cSld>
     <p:spTree>
@@ -8982,22 +8264,6 @@
           <a:p>
             <a:pPr marL="0" lvl="0" indent="0" algn="l" rtl="0">
               <a:spcBef>
-                <a:spcPts val="0"/>
-              </a:spcBef>
-              <a:spcAft>
-                <a:spcPts val="0"/>
-              </a:spcAft>
-              <a:buNone/>
-            </a:pPr>
-            <a:r>
-              <a:rPr lang="en" dirty="0"/>
-              <a:t>This presentation.</a:t>
-            </a:r>
-            <a:endParaRPr dirty="0"/>
-          </a:p>
-          <a:p>
-            <a:pPr marL="0" lvl="0" indent="0" algn="l" rtl="0">
-              <a:spcBef>
                 <a:spcPts val="1600"/>
               </a:spcBef>
               <a:spcAft>
@@ -9034,6 +8300,20 @@
             <a:r>
               <a:rPr lang="en" dirty="0"/>
               <a:t>Further data exploration</a:t>
+            </a:r>
+          </a:p>
+          <a:p>
+            <a:r>
+              <a:rPr lang="en-CA" dirty="0"/>
+              <a:t>I</a:t>
+            </a:r>
+            <a:r>
+              <a:rPr lang="en" dirty="0" err="1"/>
+              <a:t>mplementation</a:t>
+            </a:r>
+            <a:r>
+              <a:rPr lang="en" dirty="0"/>
+              <a:t> of feature engineering</a:t>
             </a:r>
             <a:endParaRPr dirty="0"/>
           </a:p>
@@ -9128,6 +8408,79 @@
           </p:txBody>
         </p:sp>
       </p:grpSp>
+    </p:spTree>
+  </p:cSld>
+  <p:clrMapOvr>
+    <a:masterClrMapping/>
+  </p:clrMapOvr>
+</p:sld>
+</file>
+
+<file path=ppt/slides/slide7.xml><?xml version="1.0" encoding="utf-8"?>
+<p:sld xmlns:a="http://schemas.openxmlformats.org/drawingml/2006/main" xmlns:r="http://schemas.openxmlformats.org/officeDocument/2006/relationships" xmlns:p="http://schemas.openxmlformats.org/presentationml/2006/main">
+  <p:cSld>
+    <p:spTree>
+      <p:nvGrpSpPr>
+        <p:cNvPr id="1" name="Shape 313"/>
+        <p:cNvGrpSpPr/>
+        <p:nvPr/>
+      </p:nvGrpSpPr>
+      <p:grpSpPr>
+        <a:xfrm>
+          <a:off x="0" y="0"/>
+          <a:ext cx="0" cy="0"/>
+          <a:chOff x="0" y="0"/>
+          <a:chExt cx="0" cy="0"/>
+        </a:xfrm>
+      </p:grpSpPr>
+      <p:sp>
+        <p:nvSpPr>
+          <p:cNvPr id="314" name="Google Shape;314;p44"/>
+          <p:cNvSpPr txBox="1">
+            <a:spLocks noGrp="1"/>
+          </p:cNvSpPr>
+          <p:nvPr>
+            <p:ph type="title"/>
+          </p:nvPr>
+        </p:nvSpPr>
+        <p:spPr>
+          <a:xfrm>
+            <a:off x="510450" y="2057400"/>
+            <a:ext cx="8123100" cy="778800"/>
+          </a:xfrm>
+          <a:prstGeom prst="rect">
+            <a:avLst/>
+          </a:prstGeom>
+        </p:spPr>
+        <p:txBody>
+          <a:bodyPr spcFirstLastPara="1" wrap="square" lIns="91425" tIns="91425" rIns="91425" bIns="91425" anchor="b" anchorCtr="0">
+            <a:noAutofit/>
+          </a:bodyPr>
+          <a:lstStyle/>
+          <a:p>
+            <a:pPr marL="0" lvl="0" indent="0" algn="l" rtl="0">
+              <a:spcBef>
+                <a:spcPts val="0"/>
+              </a:spcBef>
+              <a:spcAft>
+                <a:spcPts val="0"/>
+              </a:spcAft>
+              <a:buNone/>
+            </a:pPr>
+            <a:r>
+              <a:rPr lang="en" dirty="0"/>
+              <a:t>Project available on </a:t>
+            </a:r>
+            <a:r>
+              <a:rPr lang="en" u="sng" dirty="0">
+                <a:hlinkClick r:id="rId3"/>
+              </a:rPr>
+              <a:t>Github</a:t>
+            </a:r>
+            <a:endParaRPr dirty="0"/>
+          </a:p>
+        </p:txBody>
+      </p:sp>
     </p:spTree>
   </p:cSld>
   <p:clrMapOvr>

--- a/Our Presentation.pptx
+++ b/Our Presentation.pptx
@@ -23,7 +23,7 @@
   <p:notesSz cx="6858000" cy="9144000"/>
   <p:embeddedFontLst>
     <p:embeddedFont>
-      <p:font typeface="Proxima Nova" panose="020B0604020202020204" charset="0"/>
+      <p:font typeface="Proxima Nova" panose="02010600030101010101" charset="0"/>
       <p:regular r:id="rId13"/>
       <p:bold r:id="rId14"/>
       <p:italic r:id="rId15"/>
@@ -262,6 +262,9 @@
   <p:extLst>
     <p:ext uri="{EFAFB233-063F-42B5-8137-9DF3F51BA10A}">
       <p15:sldGuideLst xmlns:p15="http://schemas.microsoft.com/office/powerpoint/2012/main"/>
+    </p:ext>
+    <p:ext uri="{2D200454-40CA-4A62-9FC3-DE9A4176ACB9}">
+      <p15:notesGuideLst xmlns:p15="http://schemas.microsoft.com/office/powerpoint/2012/main"/>
     </p:ext>
   </p:extLst>
 </p:presentation>
@@ -8427,8 +8430,8 @@
         </p:nvSpPr>
         <p:spPr>
           <a:xfrm>
-            <a:off x="311700" y="1152475"/>
-            <a:ext cx="4508100" cy="3786600"/>
+            <a:off x="364273" y="1152475"/>
+            <a:ext cx="2943921" cy="3352618"/>
           </a:xfrm>
           <a:prstGeom prst="rect">
             <a:avLst/>
@@ -8451,8 +8454,71 @@
             </a:pPr>
             <a:r>
               <a:rPr lang="en" sz="1600" dirty="0"/>
-              <a:t>After the data understanding and data preparation steps, the features of the data are:</a:t>
+              <a:t>After the data understanding and data preparation steps, the features</a:t>
             </a:r>
+          </a:p>
+          <a:p>
+            <a:pPr marL="0" lvl="0" indent="0" algn="l" rtl="0">
+              <a:spcBef>
+                <a:spcPts val="0"/>
+              </a:spcBef>
+              <a:spcAft>
+                <a:spcPts val="0"/>
+              </a:spcAft>
+              <a:buNone/>
+            </a:pPr>
+            <a:r>
+              <a:rPr lang="en" sz="1600" dirty="0"/>
+              <a:t>of the  data are:</a:t>
+            </a:r>
+          </a:p>
+          <a:p>
+            <a:pPr marL="0" lvl="0" indent="0" algn="l" rtl="0">
+              <a:spcBef>
+                <a:spcPts val="0"/>
+              </a:spcBef>
+              <a:spcAft>
+                <a:spcPts val="0"/>
+              </a:spcAft>
+              <a:buNone/>
+            </a:pPr>
+            <a:r>
+              <a:rPr lang="en" sz="1600" dirty="0"/>
+              <a:t>Dat</a:t>
+            </a:r>
+            <a:r>
+              <a:rPr lang="en-CA" sz="1600" dirty="0"/>
+              <a:t>e, Name, Past1, Past2, Past3, Label</a:t>
+            </a:r>
+          </a:p>
+          <a:p>
+            <a:pPr marL="285750" indent="-285750"/>
+            <a:r>
+              <a:rPr lang="en-CA" sz="1600" dirty="0"/>
+              <a:t> Bert + Attention</a:t>
+            </a:r>
+          </a:p>
+          <a:p>
+            <a:pPr marL="285750" indent="-285750"/>
+            <a:r>
+              <a:rPr lang="en-CA" sz="1600" dirty="0"/>
+              <a:t> GPT + Average Pooling</a:t>
+            </a:r>
+          </a:p>
+          <a:p>
+            <a:pPr marL="285750" indent="-285750"/>
+            <a:r>
+              <a:rPr lang="en-CA" sz="1600" dirty="0"/>
+              <a:t> Transfer learning</a:t>
+            </a:r>
+          </a:p>
+          <a:p>
+            <a:pPr marL="285750" indent="-285750"/>
+            <a:endParaRPr lang="en" sz="1600" dirty="0"/>
+          </a:p>
+          <a:p>
+            <a:pPr marL="285750" indent="-285750"/>
+            <a:endParaRPr lang="en" sz="1600" dirty="0"/>
           </a:p>
           <a:p>
             <a:pPr marL="0" lvl="0" indent="0" algn="l" rtl="0">
@@ -8557,6 +8623,36 @@
           </p:txBody>
         </p:sp>
       </p:grpSp>
+      <p:pic>
+        <p:nvPicPr>
+          <p:cNvPr id="3" name="Picture 2" descr="A screenshot of a cell phone&#10;&#10;Description automatically generated">
+            <a:extLst>
+              <a:ext uri="{FF2B5EF4-FFF2-40B4-BE49-F238E27FC236}">
+                <a16:creationId xmlns:a16="http://schemas.microsoft.com/office/drawing/2014/main" id="{6CEBD465-C3B0-4438-82E4-878D7333A2A3}"/>
+              </a:ext>
+            </a:extLst>
+          </p:cNvPr>
+          <p:cNvPicPr>
+            <a:picLocks noChangeAspect="1"/>
+          </p:cNvPicPr>
+          <p:nvPr/>
+        </p:nvPicPr>
+        <p:blipFill>
+          <a:blip r:embed="rId4"/>
+          <a:stretch>
+            <a:fillRect/>
+          </a:stretch>
+        </p:blipFill>
+        <p:spPr>
+          <a:xfrm>
+            <a:off x="3416974" y="1070517"/>
+            <a:ext cx="5582946" cy="3768173"/>
+          </a:xfrm>
+          <a:prstGeom prst="rect">
+            <a:avLst/>
+          </a:prstGeom>
+        </p:spPr>
+      </p:pic>
     </p:spTree>
   </p:cSld>
   <p:clrMapOvr>
